--- a/Presentation1.pptx
+++ b/Presentation1.pptx
@@ -262,7 +262,7 @@
           <a:p>
             <a:fld id="{9F6BD7DF-A02E-4832-88EC-7C85FE742ADB}" type="datetimeFigureOut">
               <a:rPr lang="en-US" smtClean="0"/>
-              <a:t>5/6/2020</a:t>
+              <a:t>5/27/2020</a:t>
             </a:fld>
             <a:endParaRPr lang="en-US"/>
           </a:p>
@@ -460,7 +460,7 @@
           <a:p>
             <a:fld id="{9F6BD7DF-A02E-4832-88EC-7C85FE742ADB}" type="datetimeFigureOut">
               <a:rPr lang="en-US" smtClean="0"/>
-              <a:t>5/6/2020</a:t>
+              <a:t>5/27/2020</a:t>
             </a:fld>
             <a:endParaRPr lang="en-US"/>
           </a:p>
@@ -668,7 +668,7 @@
           <a:p>
             <a:fld id="{9F6BD7DF-A02E-4832-88EC-7C85FE742ADB}" type="datetimeFigureOut">
               <a:rPr lang="en-US" smtClean="0"/>
-              <a:t>5/6/2020</a:t>
+              <a:t>5/27/2020</a:t>
             </a:fld>
             <a:endParaRPr lang="en-US"/>
           </a:p>
@@ -866,7 +866,7 @@
           <a:p>
             <a:fld id="{9F6BD7DF-A02E-4832-88EC-7C85FE742ADB}" type="datetimeFigureOut">
               <a:rPr lang="en-US" smtClean="0"/>
-              <a:t>5/6/2020</a:t>
+              <a:t>5/27/2020</a:t>
             </a:fld>
             <a:endParaRPr lang="en-US"/>
           </a:p>
@@ -1141,7 +1141,7 @@
           <a:p>
             <a:fld id="{9F6BD7DF-A02E-4832-88EC-7C85FE742ADB}" type="datetimeFigureOut">
               <a:rPr lang="en-US" smtClean="0"/>
-              <a:t>5/6/2020</a:t>
+              <a:t>5/27/2020</a:t>
             </a:fld>
             <a:endParaRPr lang="en-US"/>
           </a:p>
@@ -1406,7 +1406,7 @@
           <a:p>
             <a:fld id="{9F6BD7DF-A02E-4832-88EC-7C85FE742ADB}" type="datetimeFigureOut">
               <a:rPr lang="en-US" smtClean="0"/>
-              <a:t>5/6/2020</a:t>
+              <a:t>5/27/2020</a:t>
             </a:fld>
             <a:endParaRPr lang="en-US"/>
           </a:p>
@@ -1818,7 +1818,7 @@
           <a:p>
             <a:fld id="{9F6BD7DF-A02E-4832-88EC-7C85FE742ADB}" type="datetimeFigureOut">
               <a:rPr lang="en-US" smtClean="0"/>
-              <a:t>5/6/2020</a:t>
+              <a:t>5/27/2020</a:t>
             </a:fld>
             <a:endParaRPr lang="en-US"/>
           </a:p>
@@ -1959,7 +1959,7 @@
           <a:p>
             <a:fld id="{9F6BD7DF-A02E-4832-88EC-7C85FE742ADB}" type="datetimeFigureOut">
               <a:rPr lang="en-US" smtClean="0"/>
-              <a:t>5/6/2020</a:t>
+              <a:t>5/27/2020</a:t>
             </a:fld>
             <a:endParaRPr lang="en-US"/>
           </a:p>
@@ -2072,7 +2072,7 @@
           <a:p>
             <a:fld id="{9F6BD7DF-A02E-4832-88EC-7C85FE742ADB}" type="datetimeFigureOut">
               <a:rPr lang="en-US" smtClean="0"/>
-              <a:t>5/6/2020</a:t>
+              <a:t>5/27/2020</a:t>
             </a:fld>
             <a:endParaRPr lang="en-US"/>
           </a:p>
@@ -2383,7 +2383,7 @@
           <a:p>
             <a:fld id="{9F6BD7DF-A02E-4832-88EC-7C85FE742ADB}" type="datetimeFigureOut">
               <a:rPr lang="en-US" smtClean="0"/>
-              <a:t>5/6/2020</a:t>
+              <a:t>5/27/2020</a:t>
             </a:fld>
             <a:endParaRPr lang="en-US"/>
           </a:p>
@@ -2671,7 +2671,7 @@
           <a:p>
             <a:fld id="{9F6BD7DF-A02E-4832-88EC-7C85FE742ADB}" type="datetimeFigureOut">
               <a:rPr lang="en-US" smtClean="0"/>
-              <a:t>5/6/2020</a:t>
+              <a:t>5/27/2020</a:t>
             </a:fld>
             <a:endParaRPr lang="en-US"/>
           </a:p>
@@ -2912,7 +2912,7 @@
           <a:p>
             <a:fld id="{9F6BD7DF-A02E-4832-88EC-7C85FE742ADB}" type="datetimeFigureOut">
               <a:rPr lang="en-US" smtClean="0"/>
-              <a:t>5/6/2020</a:t>
+              <a:t>5/27/2020</a:t>
             </a:fld>
             <a:endParaRPr lang="en-US"/>
           </a:p>
@@ -3674,6 +3674,9 @@
           <a:prstGeom prst="roundRect">
             <a:avLst/>
           </a:prstGeom>
+          <a:solidFill>
+            <a:srgbClr val="00B050"/>
+          </a:solidFill>
         </p:spPr>
         <p:style>
           <a:lnRef idx="2">
